--- a/Aplicação de micro controladores em tomografos final.pptx
+++ b/Aplicação de micro controladores em tomografos final.pptx
@@ -11,10 +11,11 @@
     <p:sldId id="259" r:id="rId5"/>
     <p:sldId id="260" r:id="rId6"/>
     <p:sldId id="261" r:id="rId7"/>
-    <p:sldId id="263" r:id="rId8"/>
-    <p:sldId id="264" r:id="rId9"/>
-    <p:sldId id="262" r:id="rId10"/>
-    <p:sldId id="265" r:id="rId11"/>
+    <p:sldId id="266" r:id="rId8"/>
+    <p:sldId id="263" r:id="rId9"/>
+    <p:sldId id="264" r:id="rId10"/>
+    <p:sldId id="262" r:id="rId11"/>
+    <p:sldId id="265" r:id="rId12"/>
   </p:sldIdLst>
   <p:sldSz cx="12192000" cy="6858000"/>
   <p:notesSz cx="6858000" cy="9144000"/>
@@ -3921,6 +3922,243 @@
             <a:pPr algn="ctr"/>
             <a:r>
               <a:rPr lang="pt-BR" dirty="0" smtClean="0"/>
+              <a:t>Bibliografia</a:t>
+            </a:r>
+            <a:endParaRPr lang="pt-BR" dirty="0"/>
+          </a:p>
+        </p:txBody>
+      </p:sp>
+      <p:sp>
+        <p:nvSpPr>
+          <p:cNvPr id="3" name="Marcador de Posição de Conteúdo 2"/>
+          <p:cNvSpPr>
+            <a:spLocks noGrp="1"/>
+          </p:cNvSpPr>
+          <p:nvPr>
+            <p:ph idx="1"/>
+          </p:nvPr>
+        </p:nvSpPr>
+        <p:spPr>
+          <a:xfrm>
+            <a:off x="1371600" y="1502228"/>
+            <a:ext cx="9601200" cy="5355771"/>
+          </a:xfrm>
+        </p:spPr>
+        <p:txBody>
+          <a:bodyPr/>
+          <a:lstStyle/>
+          <a:p>
+            <a:r>
+              <a:rPr lang="en-US" dirty="0" smtClean="0"/>
+              <a:t>Roman</a:t>
+            </a:r>
+            <a:r>
+              <a:rPr lang="en-US" dirty="0"/>
+              <a:t>, L. E.; Computed tomography for technologists: A comprehensive text, 2011</a:t>
+            </a:r>
+            <a:r>
+              <a:rPr lang="en-US" dirty="0" smtClean="0"/>
+              <a:t>;</a:t>
+            </a:r>
+          </a:p>
+          <a:p>
+            <a:r>
+              <a:rPr lang="en-US" dirty="0" smtClean="0"/>
+              <a:t>Oliveira, </a:t>
+            </a:r>
+            <a:r>
+              <a:rPr lang="en-US" dirty="0" err="1" smtClean="0"/>
+              <a:t>Helder</a:t>
+            </a:r>
+            <a:r>
+              <a:rPr lang="en-US" dirty="0"/>
+              <a:t> </a:t>
+            </a:r>
+            <a:r>
+              <a:rPr lang="pt-BR" dirty="0" smtClean="0"/>
+              <a:t>Tomografia Computadorizada</a:t>
+            </a:r>
+            <a:r>
+              <a:rPr lang="en-US" dirty="0" smtClean="0"/>
+              <a:t>: </a:t>
+            </a:r>
+            <a:r>
+              <a:rPr lang="pt-BR" dirty="0"/>
+              <a:t>Fundamentos Físicos dos Processos de Formação de Imagens </a:t>
+            </a:r>
+            <a:r>
+              <a:rPr lang="pt-BR" dirty="0" smtClean="0"/>
+              <a:t>Médicas, 2014;</a:t>
+            </a:r>
+            <a:endParaRPr lang="en-US" dirty="0"/>
+          </a:p>
+          <a:p>
+            <a:r>
+              <a:rPr lang="en-US" b="1" dirty="0"/>
+              <a:t> </a:t>
+            </a:r>
+            <a:r>
+              <a:rPr lang="en-US" dirty="0"/>
+              <a:t>https://</a:t>
+            </a:r>
+            <a:r>
+              <a:rPr lang="en-US" dirty="0" smtClean="0"/>
+              <a:t>www.st.com/content/st_com/</a:t>
+            </a:r>
+          </a:p>
+          <a:p>
+            <a:r>
+              <a:rPr lang="pt-BR" dirty="0" smtClean="0"/>
+              <a:t>https://www.ti.com/</a:t>
+            </a:r>
+          </a:p>
+          <a:p>
+            <a:r>
+              <a:rPr lang="pt-BR" dirty="0"/>
+              <a:t>Texas </a:t>
+            </a:r>
+            <a:r>
+              <a:rPr lang="pt-BR" dirty="0" err="1"/>
+              <a:t>Instruments</a:t>
+            </a:r>
+            <a:r>
+              <a:rPr lang="pt-BR" dirty="0"/>
+              <a:t> – "MSP430 </a:t>
+            </a:r>
+            <a:r>
+              <a:rPr lang="pt-BR" dirty="0" err="1"/>
+              <a:t>Microcontroller</a:t>
+            </a:r>
+            <a:r>
+              <a:rPr lang="pt-BR" dirty="0"/>
+              <a:t> Data </a:t>
+            </a:r>
+            <a:r>
+              <a:rPr lang="pt-BR" dirty="0" err="1"/>
+              <a:t>Sheet</a:t>
+            </a:r>
+            <a:r>
+              <a:rPr lang="pt-BR" dirty="0"/>
+              <a:t>"</a:t>
+            </a:r>
+          </a:p>
+          <a:p>
+            <a:r>
+              <a:rPr lang="pt-BR" dirty="0" err="1" smtClean="0"/>
+              <a:t>Wikipedia</a:t>
+            </a:r>
+            <a:endParaRPr lang="pt-BR" dirty="0" smtClean="0"/>
+          </a:p>
+          <a:p>
+            <a:r>
+              <a:rPr lang="pt-BR" dirty="0" smtClean="0"/>
+              <a:t>https</a:t>
+            </a:r>
+            <a:r>
+              <a:rPr lang="pt-BR" dirty="0"/>
+              <a:t>://www.mundodaeletrica.com.br/motor-brushless-caracteristicas-aplicacoes</a:t>
+            </a:r>
+            <a:r>
+              <a:rPr lang="pt-BR" dirty="0" smtClean="0"/>
+              <a:t>/</a:t>
+            </a:r>
+          </a:p>
+          <a:p>
+            <a:r>
+              <a:rPr lang="pt-BR" dirty="0"/>
+              <a:t>https://www.microchip.com/</a:t>
+            </a:r>
+            <a:endParaRPr lang="pt-BR" dirty="0" smtClean="0"/>
+          </a:p>
+          <a:p>
+            <a:r>
+              <a:rPr lang="en-US" dirty="0"/>
+              <a:t>ISO 13485:2016 - "Medical devices — Quality management systems — Requirements for regulatory </a:t>
+            </a:r>
+            <a:r>
+              <a:rPr lang="en-US" dirty="0" smtClean="0"/>
+              <a:t>purposes</a:t>
+            </a:r>
+            <a:r>
+              <a:rPr lang="en-US" dirty="0"/>
+              <a:t>"</a:t>
+            </a:r>
+            <a:endParaRPr lang="pt-BR" dirty="0"/>
+          </a:p>
+          <a:p>
+            <a:r>
+              <a:rPr lang="en-US" dirty="0" smtClean="0"/>
+              <a:t>IEC </a:t>
+            </a:r>
+            <a:r>
+              <a:rPr lang="en-US" dirty="0"/>
+              <a:t>60601-1:2012 - "Medical electrical equipment – Part 1: General requirements for basic safety and essential </a:t>
+            </a:r>
+            <a:r>
+              <a:rPr lang="en-US" dirty="0" smtClean="0"/>
+              <a:t>performance“</a:t>
+            </a:r>
+          </a:p>
+          <a:p>
+            <a:endParaRPr lang="pt-BR" dirty="0"/>
+          </a:p>
+        </p:txBody>
+      </p:sp>
+    </p:spTree>
+    <p:extLst>
+      <p:ext uri="{BB962C8B-B14F-4D97-AF65-F5344CB8AC3E}">
+        <p14:creationId xmlns:p14="http://schemas.microsoft.com/office/powerpoint/2010/main" val="1737261780"/>
+      </p:ext>
+    </p:extLst>
+  </p:cSld>
+  <p:clrMapOvr>
+    <a:masterClrMapping/>
+  </p:clrMapOvr>
+  <p:timing>
+    <p:tnLst>
+      <p:par>
+        <p:cTn id="1" dur="indefinite" restart="never" nodeType="tmRoot"/>
+      </p:par>
+    </p:tnLst>
+  </p:timing>
+</p:sld>
+</file>
+
+<file path=ppt/slides/slide11.xml><?xml version="1.0" encoding="utf-8"?>
+<p:sld xmlns:a="http://schemas.openxmlformats.org/drawingml/2006/main" xmlns:r="http://schemas.openxmlformats.org/officeDocument/2006/relationships" xmlns:p="http://schemas.openxmlformats.org/presentationml/2006/main">
+  <p:cSld>
+    <p:spTree>
+      <p:nvGrpSpPr>
+        <p:cNvPr id="1" name=""/>
+        <p:cNvGrpSpPr/>
+        <p:nvPr/>
+      </p:nvGrpSpPr>
+      <p:grpSpPr>
+        <a:xfrm>
+          <a:off x="0" y="0"/>
+          <a:ext cx="0" cy="0"/>
+          <a:chOff x="0" y="0"/>
+          <a:chExt cx="0" cy="0"/>
+        </a:xfrm>
+      </p:grpSpPr>
+      <p:sp>
+        <p:nvSpPr>
+          <p:cNvPr id="2" name="Título 1"/>
+          <p:cNvSpPr>
+            <a:spLocks noGrp="1"/>
+          </p:cNvSpPr>
+          <p:nvPr>
+            <p:ph type="title"/>
+          </p:nvPr>
+        </p:nvSpPr>
+        <p:spPr/>
+        <p:txBody>
+          <a:bodyPr/>
+          <a:lstStyle/>
+          <a:p>
+            <a:pPr algn="ctr"/>
+            <a:r>
+              <a:rPr lang="pt-BR" dirty="0" smtClean="0"/>
               <a:t>Obrigado pela sua atenção</a:t>
             </a:r>
             <a:br>
@@ -4072,7 +4310,12 @@
             <p:ph idx="1"/>
           </p:nvPr>
         </p:nvSpPr>
-        <p:spPr/>
+        <p:spPr>
+          <a:xfrm>
+            <a:off x="1371600" y="1686910"/>
+            <a:ext cx="9601200" cy="3581400"/>
+          </a:xfrm>
+        </p:spPr>
         <p:txBody>
           <a:bodyPr/>
           <a:lstStyle/>
@@ -4091,15 +4334,7 @@
             </a:r>
             <a:r>
               <a:rPr lang="pt-BR" dirty="0" smtClean="0"/>
-              <a:t>tecidos de forma mais detalhad</a:t>
-            </a:r>
-            <a:r>
-              <a:rPr lang="pt-BR" dirty="0" smtClean="0"/>
-              <a:t>a</a:t>
-            </a:r>
-            <a:r>
-              <a:rPr lang="pt-BR" dirty="0" smtClean="0"/>
-              <a:t>.</a:t>
+              <a:t>tecidos de forma mais detalhada.</a:t>
             </a:r>
             <a:endParaRPr lang="pt-BR" dirty="0"/>
           </a:p>
@@ -4128,7 +4363,7 @@
         </p:blipFill>
         <p:spPr bwMode="auto">
           <a:xfrm>
-            <a:off x="1828800" y="3691184"/>
+            <a:off x="1849821" y="3301642"/>
             <a:ext cx="3814354" cy="2967778"/>
           </a:xfrm>
           <a:prstGeom prst="rect">
@@ -4169,7 +4404,7 @@
         </p:blipFill>
         <p:spPr bwMode="auto">
           <a:xfrm>
-            <a:off x="6809811" y="3691184"/>
+            <a:off x="6935935" y="3301642"/>
             <a:ext cx="3407974" cy="2967778"/>
           </a:xfrm>
           <a:prstGeom prst="rect">
@@ -4323,11 +4558,7 @@
             </a:r>
             <a:r>
               <a:rPr lang="pt-BR" dirty="0" smtClean="0"/>
-              <a:t>, </a:t>
-            </a:r>
-            <a:r>
-              <a:rPr lang="pt-BR" dirty="0" smtClean="0"/>
-              <a:t>Texas </a:t>
+              <a:t>, Texas </a:t>
             </a:r>
             <a:r>
               <a:rPr lang="pt-BR" dirty="0" err="1" smtClean="0"/>
@@ -4744,31 +4975,7 @@
             </a:pPr>
             <a:r>
               <a:rPr lang="pt-BR" dirty="0" smtClean="0"/>
-              <a:t>Os fans que fazem a refrigeração do </a:t>
-            </a:r>
-            <a:r>
-              <a:rPr lang="pt-BR" dirty="0" smtClean="0"/>
-              <a:t>tomógrafo e os </a:t>
-            </a:r>
-            <a:r>
-              <a:rPr lang="pt-BR" dirty="0" smtClean="0"/>
-              <a:t>Termopares</a:t>
-            </a:r>
-            <a:r>
-              <a:rPr lang="pt-BR" dirty="0" smtClean="0"/>
-              <a:t> são </a:t>
-            </a:r>
-            <a:r>
-              <a:rPr lang="pt-BR" dirty="0" smtClean="0"/>
-              <a:t>exemplo de atuadores </a:t>
-            </a:r>
-            <a:r>
-              <a:rPr lang="pt-BR" dirty="0" smtClean="0"/>
-              <a:t>e sensores controlados </a:t>
-            </a:r>
-            <a:r>
-              <a:rPr lang="pt-BR" dirty="0" smtClean="0"/>
-              <a:t>pelo MSP430.</a:t>
+              <a:t>Os fans que fazem a refrigeração do tomógrafo e os Termopares são exemplo de atuadores e sensores controlados pelo MSP430.</a:t>
             </a:r>
             <a:endParaRPr lang="pt-BR" dirty="0"/>
           </a:p>
@@ -5004,148 +5211,225 @@
         </p:nvSpPr>
         <p:spPr/>
         <p:txBody>
-          <a:bodyPr>
-            <a:normAutofit fontScale="90000"/>
+          <a:bodyPr/>
+          <a:lstStyle/>
+          <a:p>
+            <a:pPr algn="ctr"/>
+            <a:r>
+              <a:rPr lang="pt-BR" dirty="0" smtClean="0"/>
+              <a:t>Como esse controladores se parecem? </a:t>
+            </a:r>
+            <a:endParaRPr lang="pt-BR" dirty="0"/>
+          </a:p>
+        </p:txBody>
+      </p:sp>
+      <p:pic>
+        <p:nvPicPr>
+          <p:cNvPr id="2050" name="Picture 2" descr="https://m.media-amazon.com/images/I/71fB+DA9BdL._AC_UF894,1000_QL80_.jpg"/>
+          <p:cNvPicPr>
+            <a:picLocks noGrp="1" noChangeAspect="1" noChangeArrowheads="1"/>
+          </p:cNvPicPr>
+          <p:nvPr>
+            <p:ph idx="1"/>
+          </p:nvPr>
+        </p:nvPicPr>
+        <p:blipFill rotWithShape="1">
+          <a:blip r:embed="rId2">
+            <a:extLst>
+              <a:ext uri="{28A0092B-C50C-407E-A947-70E740481C1C}">
+                <a14:useLocalDpi xmlns:a14="http://schemas.microsoft.com/office/drawing/2010/main" val="0"/>
+              </a:ext>
+            </a:extLst>
+          </a:blip>
+          <a:srcRect l="668" t="2079" r="3514" b="3024"/>
+          <a:stretch/>
+        </p:blipFill>
+        <p:spPr bwMode="auto">
+          <a:xfrm rot="16200000">
+            <a:off x="688428" y="3063766"/>
+            <a:ext cx="4120055" cy="2638096"/>
+          </a:xfrm>
+          <a:prstGeom prst="rect">
+            <a:avLst/>
+          </a:prstGeom>
+          <a:noFill/>
+          <a:extLst>
+            <a:ext uri="{909E8E84-426E-40DD-AFC4-6F175D3DCCD1}">
+              <a14:hiddenFill xmlns:a14="http://schemas.microsoft.com/office/drawing/2010/main">
+                <a:solidFill>
+                  <a:srgbClr val="FFFFFF"/>
+                </a:solidFill>
+              </a14:hiddenFill>
+            </a:ext>
+          </a:extLst>
+        </p:spPr>
+      </p:pic>
+      <p:pic>
+        <p:nvPicPr>
+          <p:cNvPr id="2052" name="Picture 4" descr="https://www.ti.com/content/dam/ticom/images/products/ic/microcontrollers/simplelink/evm-board/MSP-EXP430FR2355-LaunchPad-kit-for-MSP430FR2355-MCUs-horizontal.png"/>
+          <p:cNvPicPr>
+            <a:picLocks noChangeAspect="1" noChangeArrowheads="1"/>
+          </p:cNvPicPr>
+          <p:nvPr/>
+        </p:nvPicPr>
+        <p:blipFill>
+          <a:blip r:embed="rId3">
+            <a:extLst>
+              <a:ext uri="{28A0092B-C50C-407E-A947-70E740481C1C}">
+                <a14:useLocalDpi xmlns:a14="http://schemas.microsoft.com/office/drawing/2010/main" val="0"/>
+              </a:ext>
+            </a:extLst>
+          </a:blip>
+          <a:srcRect/>
+          <a:stretch>
+            <a:fillRect/>
+          </a:stretch>
+        </p:blipFill>
+        <p:spPr bwMode="auto">
+          <a:xfrm rot="16200000">
+            <a:off x="3388119" y="2658825"/>
+            <a:ext cx="6210551" cy="3493436"/>
+          </a:xfrm>
+          <a:prstGeom prst="rect">
+            <a:avLst/>
+          </a:prstGeom>
+          <a:noFill/>
+          <a:extLst>
+            <a:ext uri="{909E8E84-426E-40DD-AFC4-6F175D3DCCD1}">
+              <a14:hiddenFill xmlns:a14="http://schemas.microsoft.com/office/drawing/2010/main">
+                <a:solidFill>
+                  <a:srgbClr val="FFFFFF"/>
+                </a:solidFill>
+              </a14:hiddenFill>
+            </a:ext>
+          </a:extLst>
+        </p:spPr>
+      </p:pic>
+      <p:pic>
+        <p:nvPicPr>
+          <p:cNvPr id="2054" name="Picture 6" descr="https://embarcados.com.br/wp-content/uploads/2014/04/DM320006.png"/>
+          <p:cNvPicPr>
+            <a:picLocks noChangeAspect="1" noChangeArrowheads="1"/>
+          </p:cNvPicPr>
+          <p:nvPr/>
+        </p:nvPicPr>
+        <p:blipFill rotWithShape="1">
+          <a:blip r:embed="rId4">
+            <a:extLst>
+              <a:ext uri="{28A0092B-C50C-407E-A947-70E740481C1C}">
+                <a14:useLocalDpi xmlns:a14="http://schemas.microsoft.com/office/drawing/2010/main" val="0"/>
+              </a:ext>
+            </a:extLst>
+          </a:blip>
+          <a:srcRect l="6766" t="11618" r="7181" b="10029"/>
+          <a:stretch/>
+        </p:blipFill>
+        <p:spPr bwMode="auto">
+          <a:xfrm rot="16200000">
+            <a:off x="8339195" y="3069021"/>
+            <a:ext cx="3573517" cy="2627585"/>
+          </a:xfrm>
+          <a:prstGeom prst="rect">
+            <a:avLst/>
+          </a:prstGeom>
+          <a:noFill/>
+          <a:extLst>
+            <a:ext uri="{909E8E84-426E-40DD-AFC4-6F175D3DCCD1}">
+              <a14:hiddenFill xmlns:a14="http://schemas.microsoft.com/office/drawing/2010/main">
+                <a:solidFill>
+                  <a:srgbClr val="FFFFFF"/>
+                </a:solidFill>
+              </a14:hiddenFill>
+            </a:ext>
+          </a:extLst>
+        </p:spPr>
+      </p:pic>
+      <p:sp>
+        <p:nvSpPr>
+          <p:cNvPr id="4" name="CaixaDeTexto 3"/>
+          <p:cNvSpPr txBox="1"/>
+          <p:nvPr/>
+        </p:nvSpPr>
+        <p:spPr>
+          <a:xfrm>
+            <a:off x="9474311" y="2188779"/>
+            <a:ext cx="1303283" cy="369332"/>
+          </a:xfrm>
+          <a:prstGeom prst="rect">
+            <a:avLst/>
+          </a:prstGeom>
+          <a:noFill/>
+        </p:spPr>
+        <p:txBody>
+          <a:bodyPr wrap="square" rtlCol="0">
+            <a:spAutoFit/>
           </a:bodyPr>
           <a:lstStyle/>
           <a:p>
             <a:pPr algn="ctr"/>
             <a:r>
               <a:rPr lang="pt-BR" dirty="0"/>
-              <a:t>Mas, Gabriel, por que a gente não pode usar qualquer </a:t>
-            </a:r>
-            <a:r>
-              <a:rPr lang="pt-BR" dirty="0" smtClean="0"/>
-              <a:t>micro controlador </a:t>
-            </a:r>
-            <a:r>
-              <a:rPr lang="pt-BR" dirty="0"/>
-              <a:t>em um tomógrafo?</a:t>
-            </a:r>
-          </a:p>
-        </p:txBody>
-      </p:sp>
-      <p:sp>
-        <p:nvSpPr>
-          <p:cNvPr id="3" name="Espaço Reservado para Conteúdo 2"/>
-          <p:cNvSpPr>
-            <a:spLocks noGrp="1"/>
-          </p:cNvSpPr>
-          <p:nvPr>
-            <p:ph idx="1"/>
-          </p:nvPr>
+              <a:t>PIC32MZ</a:t>
+            </a:r>
+          </a:p>
+        </p:txBody>
+      </p:sp>
+      <p:sp>
+        <p:nvSpPr>
+          <p:cNvPr id="5" name="CaixaDeTexto 4"/>
+          <p:cNvSpPr txBox="1"/>
+          <p:nvPr/>
         </p:nvSpPr>
         <p:spPr>
           <a:xfrm>
-            <a:off x="1371600" y="2403566"/>
-            <a:ext cx="9601200" cy="4454434"/>
-          </a:xfrm>
-        </p:spPr>
-        <p:txBody>
-          <a:bodyPr>
-            <a:normAutofit/>
+            <a:off x="5654566" y="2060028"/>
+            <a:ext cx="1744717" cy="369332"/>
+          </a:xfrm>
+          <a:prstGeom prst="rect">
+            <a:avLst/>
+          </a:prstGeom>
+          <a:noFill/>
+        </p:spPr>
+        <p:txBody>
+          <a:bodyPr wrap="square" rtlCol="0">
+            <a:spAutoFit/>
           </a:bodyPr>
           <a:lstStyle/>
           <a:p>
-            <a:r>
-              <a:rPr lang="pt-BR" b="1" dirty="0"/>
-              <a:t>Precisão e Estabilidade</a:t>
-            </a:r>
+            <a:pPr algn="ctr"/>
             <a:r>
               <a:rPr lang="pt-BR" dirty="0"/>
-              <a:t>: Tomógrafos, especialmente os de alta </a:t>
-            </a:r>
-            <a:r>
-              <a:rPr lang="pt-BR" dirty="0" smtClean="0"/>
-              <a:t>resolução, </a:t>
-            </a:r>
+              <a:t>MSP430</a:t>
+            </a:r>
+          </a:p>
+        </p:txBody>
+      </p:sp>
+      <p:sp>
+        <p:nvSpPr>
+          <p:cNvPr id="7" name="CaixaDeTexto 6"/>
+          <p:cNvSpPr txBox="1"/>
+          <p:nvPr/>
+        </p:nvSpPr>
+        <p:spPr>
+          <a:xfrm>
+            <a:off x="1923393" y="1965434"/>
+            <a:ext cx="1702676" cy="369332"/>
+          </a:xfrm>
+          <a:prstGeom prst="rect">
+            <a:avLst/>
+          </a:prstGeom>
+          <a:noFill/>
+        </p:spPr>
+        <p:txBody>
+          <a:bodyPr wrap="square" rtlCol="0">
+            <a:spAutoFit/>
+          </a:bodyPr>
+          <a:lstStyle/>
+          <a:p>
+            <a:pPr algn="ctr"/>
             <a:r>
               <a:rPr lang="pt-BR" dirty="0"/>
-              <a:t>exigem precisão e estabilidade no controle de sistemas complexos, como o controle dos raios-X, sistemas de resfriamento e movimentação das partes móveis. </a:t>
-            </a:r>
-            <a:r>
-              <a:rPr lang="pt-BR" dirty="0" smtClean="0"/>
-              <a:t>Micro controladores </a:t>
-            </a:r>
-            <a:r>
-              <a:rPr lang="pt-BR" dirty="0"/>
-              <a:t>mais simples </a:t>
-            </a:r>
-            <a:r>
-              <a:rPr lang="pt-BR" dirty="0" smtClean="0"/>
-              <a:t>não tem </a:t>
-            </a:r>
-            <a:r>
-              <a:rPr lang="pt-BR" dirty="0"/>
-              <a:t>a precisão </a:t>
-            </a:r>
-            <a:r>
-              <a:rPr lang="pt-BR" dirty="0" smtClean="0"/>
-              <a:t>necessária </a:t>
-            </a:r>
-            <a:r>
-              <a:rPr lang="pt-BR" dirty="0"/>
-              <a:t>para essas funções</a:t>
-            </a:r>
-            <a:r>
-              <a:rPr lang="pt-BR" dirty="0" smtClean="0"/>
-              <a:t>.</a:t>
-            </a:r>
-          </a:p>
-          <a:p>
-            <a:r>
-              <a:rPr lang="pt-BR" b="1" dirty="0"/>
-              <a:t>Desempenho em Tempo Real</a:t>
-            </a:r>
-            <a:r>
-              <a:rPr lang="pt-BR" dirty="0"/>
-              <a:t>: Os tomógrafos geralmente operam em um ambiente de tempo real, onde a resposta e o processamento de dados precisam ser rápidos e altamente confiáveis. </a:t>
-            </a:r>
-            <a:r>
-              <a:rPr lang="pt-BR" dirty="0" smtClean="0"/>
-              <a:t>Micro controladores mais baratos </a:t>
-            </a:r>
-            <a:r>
-              <a:rPr lang="pt-BR" dirty="0"/>
-              <a:t>podem não ser rápidos o suficiente ou não ter a capacidade de processar dados complexos de imagem com a rapidez e a precisão exigidas</a:t>
-            </a:r>
-            <a:r>
-              <a:rPr lang="pt-BR" dirty="0" smtClean="0"/>
-              <a:t>.</a:t>
-            </a:r>
-          </a:p>
-          <a:p>
-            <a:r>
-              <a:rPr lang="pt-BR" b="1" dirty="0"/>
-              <a:t>Normas e Regulamentações de Saúde</a:t>
-            </a:r>
-            <a:r>
-              <a:rPr lang="pt-BR" dirty="0"/>
-              <a:t>: Equipamentos médicos, como tomógrafos, são regulados por normas de segurança e qualidade, como a ISO 13485 e IEC 60601, que definem requisitos rigorosos para os componentes eletrônicos. </a:t>
-            </a:r>
-            <a:r>
-              <a:rPr lang="pt-BR" dirty="0" smtClean="0"/>
-              <a:t>Micro controladores </a:t>
-            </a:r>
-            <a:r>
-              <a:rPr lang="pt-BR" dirty="0"/>
-              <a:t>comuns </a:t>
-            </a:r>
-            <a:r>
-              <a:rPr lang="pt-BR" dirty="0" smtClean="0"/>
-              <a:t> </a:t>
-            </a:r>
-            <a:r>
-              <a:rPr lang="pt-BR" dirty="0"/>
-              <a:t>não </a:t>
-            </a:r>
-            <a:r>
-              <a:rPr lang="pt-BR" dirty="0" smtClean="0"/>
-              <a:t>atendem </a:t>
-            </a:r>
-            <a:r>
-              <a:rPr lang="pt-BR" dirty="0"/>
-              <a:t>a esses padrões.</a:t>
+              <a:t>STM32F4</a:t>
             </a:r>
           </a:p>
         </p:txBody>
@@ -5153,7 +5437,7 @@
     </p:spTree>
     <p:extLst>
       <p:ext uri="{BB962C8B-B14F-4D97-AF65-F5344CB8AC3E}">
-        <p14:creationId xmlns:p14="http://schemas.microsoft.com/office/powerpoint/2010/main" val="2102982600"/>
+        <p14:creationId xmlns:p14="http://schemas.microsoft.com/office/powerpoint/2010/main" val="2690062233"/>
       </p:ext>
     </p:extLst>
   </p:cSld>
@@ -5197,70 +5481,66 @@
             <p:ph type="title"/>
           </p:nvPr>
         </p:nvSpPr>
+        <p:spPr/>
+        <p:txBody>
+          <a:bodyPr>
+            <a:normAutofit fontScale="90000"/>
+          </a:bodyPr>
+          <a:lstStyle/>
+          <a:p>
+            <a:pPr algn="ctr"/>
+            <a:r>
+              <a:rPr lang="pt-BR" dirty="0"/>
+              <a:t>Mas, Gabriel, por que a gente não pode usar qualquer </a:t>
+            </a:r>
+            <a:r>
+              <a:rPr lang="pt-BR" dirty="0" smtClean="0"/>
+              <a:t>micro controlador </a:t>
+            </a:r>
+            <a:r>
+              <a:rPr lang="pt-BR" dirty="0"/>
+              <a:t>em um tomógrafo?</a:t>
+            </a:r>
+          </a:p>
+        </p:txBody>
+      </p:sp>
+      <p:sp>
+        <p:nvSpPr>
+          <p:cNvPr id="3" name="Espaço Reservado para Conteúdo 2"/>
+          <p:cNvSpPr>
+            <a:spLocks noGrp="1"/>
+          </p:cNvSpPr>
+          <p:nvPr>
+            <p:ph idx="1"/>
+          </p:nvPr>
+        </p:nvSpPr>
         <p:spPr>
           <a:xfrm>
-            <a:off x="1371600" y="685800"/>
-            <a:ext cx="10489474" cy="1485900"/>
-          </a:xfrm>
-        </p:spPr>
-        <p:txBody>
-          <a:bodyPr/>
+            <a:off x="1371600" y="2403566"/>
+            <a:ext cx="9601200" cy="4454434"/>
+          </a:xfrm>
+        </p:spPr>
+        <p:txBody>
+          <a:bodyPr>
+            <a:normAutofit/>
+          </a:bodyPr>
           <a:lstStyle/>
           <a:p>
-            <a:pPr algn="ctr"/>
+            <a:r>
+              <a:rPr lang="pt-BR" b="1" dirty="0"/>
+              <a:t>Precisão e Estabilidade</a:t>
+            </a:r>
+            <a:r>
+              <a:rPr lang="pt-BR" dirty="0"/>
+              <a:t>: Tomógrafos, especialmente os de alta </a:t>
+            </a:r>
             <a:r>
               <a:rPr lang="pt-BR" dirty="0" smtClean="0"/>
-              <a:t>E </a:t>
+              <a:t>resolução, </a:t>
             </a:r>
             <a:r>
               <a:rPr lang="pt-BR" dirty="0"/>
-              <a:t>o </a:t>
-            </a:r>
-            <a:r>
-              <a:rPr lang="pt-BR" dirty="0" smtClean="0"/>
-              <a:t>principal:</a:t>
-            </a:r>
-            <a:br>
-              <a:rPr lang="pt-BR" dirty="0" smtClean="0"/>
-            </a:br>
-            <a:r>
-              <a:rPr lang="pt-BR" dirty="0" smtClean="0"/>
-              <a:t> Redundância </a:t>
-            </a:r>
-            <a:r>
-              <a:rPr lang="pt-BR" dirty="0"/>
-              <a:t>e Confiabilidade</a:t>
-            </a:r>
-          </a:p>
-        </p:txBody>
-      </p:sp>
-      <p:sp>
-        <p:nvSpPr>
-          <p:cNvPr id="3" name="Espaço Reservado para Conteúdo 2"/>
-          <p:cNvSpPr>
-            <a:spLocks noGrp="1"/>
-          </p:cNvSpPr>
-          <p:nvPr>
-            <p:ph idx="1"/>
-          </p:nvPr>
-        </p:nvSpPr>
-        <p:spPr>
-          <a:xfrm>
-            <a:off x="1815737" y="1998617"/>
-            <a:ext cx="9601200" cy="4103914"/>
-          </a:xfrm>
-        </p:spPr>
-        <p:txBody>
-          <a:bodyPr/>
-          <a:lstStyle/>
-          <a:p>
-            <a:r>
-              <a:rPr lang="pt-BR" dirty="0" smtClean="0"/>
-              <a:t>Equipamentos </a:t>
-            </a:r>
-            <a:r>
-              <a:rPr lang="pt-BR" dirty="0"/>
-              <a:t>médicos exigem uma alta confiabilidade e muitas vezes têm sistemas redundantes para garantir que, se uma parte falhar, o sistema ainda funcione corretamente. </a:t>
+              <a:t>exigem precisão e estabilidade no controle de sistemas complexos, como o controle dos raios-X, sistemas de resfriamento e movimentação das partes móveis. </a:t>
             </a:r>
             <a:r>
               <a:rPr lang="pt-BR" dirty="0" smtClean="0"/>
@@ -5268,85 +5548,91 @@
             </a:r>
             <a:r>
               <a:rPr lang="pt-BR" dirty="0"/>
-              <a:t>simples não oferecem esse tipo de </a:t>
+              <a:t>mais simples </a:t>
             </a:r>
             <a:r>
               <a:rPr lang="pt-BR" dirty="0" smtClean="0"/>
-              <a:t>redundância.</a:t>
-            </a:r>
-          </a:p>
-          <a:p>
-            <a:pPr lvl="1" algn="ctr"/>
-            <a:endParaRPr lang="pt-BR" dirty="0" smtClean="0"/>
-          </a:p>
-          <a:p>
-            <a:pPr marL="530352" lvl="1" indent="0" algn="ctr">
-              <a:buNone/>
-            </a:pPr>
-            <a:endParaRPr lang="pt-BR" dirty="0" smtClean="0"/>
-          </a:p>
-          <a:p>
-            <a:pPr lvl="1" algn="ctr"/>
-            <a:endParaRPr lang="pt-BR" dirty="0" smtClean="0"/>
-          </a:p>
-          <a:p>
-            <a:pPr lvl="1" algn="ctr"/>
+              <a:t>não tem </a:t>
+            </a:r>
+            <a:r>
+              <a:rPr lang="pt-BR" dirty="0"/>
+              <a:t>a precisão </a:t>
+            </a:r>
             <a:r>
               <a:rPr lang="pt-BR" dirty="0" smtClean="0"/>
-              <a:t>É</a:t>
+              <a:t>necessária </a:t>
             </a:r>
             <a:r>
               <a:rPr lang="pt-BR" dirty="0"/>
-              <a:t>... e custa caro, muito caro.</a:t>
-            </a:r>
-          </a:p>
-        </p:txBody>
-      </p:sp>
-      <p:pic>
-        <p:nvPicPr>
-          <p:cNvPr id="2052" name="Picture 4" descr="https://encrypted-tbn0.gstatic.com/images?q=tbn:ANd9GcQRKU8_l54t5QRQlCRqBoH2U6iLGkMzD2MkIQ&amp;s"/>
-          <p:cNvPicPr>
-            <a:picLocks noChangeAspect="1" noChangeArrowheads="1"/>
-          </p:cNvPicPr>
-          <p:nvPr/>
-        </p:nvPicPr>
-        <p:blipFill>
-          <a:blip r:embed="rId2">
-            <a:extLst>
-              <a:ext uri="{28A0092B-C50C-407E-A947-70E740481C1C}">
-                <a14:useLocalDpi xmlns:a14="http://schemas.microsoft.com/office/drawing/2010/main" val="0"/>
-              </a:ext>
-            </a:extLst>
-          </a:blip>
-          <a:srcRect/>
-          <a:stretch>
-            <a:fillRect/>
-          </a:stretch>
-        </p:blipFill>
-        <p:spPr bwMode="auto">
-          <a:xfrm>
-            <a:off x="2334781" y="3417706"/>
-            <a:ext cx="2684825" cy="2684825"/>
-          </a:xfrm>
-          <a:prstGeom prst="rect">
-            <a:avLst/>
-          </a:prstGeom>
-          <a:noFill/>
-          <a:extLst>
-            <a:ext uri="{909E8E84-426E-40DD-AFC4-6F175D3DCCD1}">
-              <a14:hiddenFill xmlns:a14="http://schemas.microsoft.com/office/drawing/2010/main">
-                <a:solidFill>
-                  <a:srgbClr val="FFFFFF"/>
-                </a:solidFill>
-              </a14:hiddenFill>
-            </a:ext>
-          </a:extLst>
-        </p:spPr>
-      </p:pic>
+              <a:t>para essas funções</a:t>
+            </a:r>
+            <a:r>
+              <a:rPr lang="pt-BR" dirty="0" smtClean="0"/>
+              <a:t>.</a:t>
+            </a:r>
+          </a:p>
+          <a:p>
+            <a:r>
+              <a:rPr lang="pt-BR" b="1" dirty="0"/>
+              <a:t>Desempenho em Tempo Real</a:t>
+            </a:r>
+            <a:r>
+              <a:rPr lang="pt-BR" dirty="0"/>
+              <a:t>: Os tomógrafos geralmente operam em um ambiente de tempo real, onde a resposta e o processamento de dados precisam ser rápidos e altamente confiáveis. </a:t>
+            </a:r>
+            <a:r>
+              <a:rPr lang="pt-BR" dirty="0" smtClean="0"/>
+              <a:t>Micro controladores mais baratos </a:t>
+            </a:r>
+            <a:r>
+              <a:rPr lang="pt-BR" dirty="0"/>
+              <a:t>podem não ser rápidos o suficiente ou não ter a capacidade de processar dados complexos de imagem com a rapidez e a precisão exigidas</a:t>
+            </a:r>
+            <a:r>
+              <a:rPr lang="pt-BR" dirty="0" smtClean="0"/>
+              <a:t>.</a:t>
+            </a:r>
+          </a:p>
+          <a:p>
+            <a:r>
+              <a:rPr lang="pt-BR" b="1" dirty="0"/>
+              <a:t>Normas e Regulamentações de Saúde</a:t>
+            </a:r>
+            <a:r>
+              <a:rPr lang="pt-BR" dirty="0"/>
+              <a:t>: Equipamentos médicos, como tomógrafos, são regulados por normas de segurança e qualidade, como a ISO 13485 e IEC 60601, que definem requisitos rigorosos para os componentes eletrônicos. </a:t>
+            </a:r>
+            <a:r>
+              <a:rPr lang="pt-BR" dirty="0" smtClean="0"/>
+              <a:t>Micro controladores </a:t>
+            </a:r>
+            <a:r>
+              <a:rPr lang="pt-BR" dirty="0"/>
+              <a:t>comuns </a:t>
+            </a:r>
+            <a:r>
+              <a:rPr lang="pt-BR" dirty="0" smtClean="0"/>
+              <a:t> </a:t>
+            </a:r>
+            <a:r>
+              <a:rPr lang="pt-BR" dirty="0"/>
+              <a:t>não </a:t>
+            </a:r>
+            <a:r>
+              <a:rPr lang="pt-BR" dirty="0" smtClean="0"/>
+              <a:t>atendem </a:t>
+            </a:r>
+            <a:r>
+              <a:rPr lang="pt-BR" dirty="0"/>
+              <a:t>a esses padrões.</a:t>
+            </a:r>
+          </a:p>
+        </p:txBody>
+      </p:sp>
     </p:spTree>
     <p:extLst>
       <p:ext uri="{BB962C8B-B14F-4D97-AF65-F5344CB8AC3E}">
-        <p14:creationId xmlns:p14="http://schemas.microsoft.com/office/powerpoint/2010/main" val="233559132"/>
+        <p14:creationId xmlns:p14="http://schemas.microsoft.com/office/powerpoint/2010/main" val="2102982600"/>
       </p:ext>
     </p:extLst>
   </p:cSld>
@@ -5390,7 +5676,12 @@
             <p:ph type="title"/>
           </p:nvPr>
         </p:nvSpPr>
-        <p:spPr/>
+        <p:spPr>
+          <a:xfrm>
+            <a:off x="1371600" y="685800"/>
+            <a:ext cx="10489474" cy="1485900"/>
+          </a:xfrm>
+        </p:spPr>
         <p:txBody>
           <a:bodyPr/>
           <a:lstStyle/>
@@ -5398,15 +5689,33 @@
             <a:pPr algn="ctr"/>
             <a:r>
               <a:rPr lang="pt-BR" dirty="0" smtClean="0"/>
-              <a:t>Bibliografia</a:t>
-            </a:r>
-            <a:endParaRPr lang="pt-BR" dirty="0"/>
-          </a:p>
-        </p:txBody>
-      </p:sp>
-      <p:sp>
-        <p:nvSpPr>
-          <p:cNvPr id="3" name="Marcador de Posição de Conteúdo 2"/>
+              <a:t>E </a:t>
+            </a:r>
+            <a:r>
+              <a:rPr lang="pt-BR" dirty="0"/>
+              <a:t>o </a:t>
+            </a:r>
+            <a:r>
+              <a:rPr lang="pt-BR" dirty="0" smtClean="0"/>
+              <a:t>principal:</a:t>
+            </a:r>
+            <a:br>
+              <a:rPr lang="pt-BR" dirty="0" smtClean="0"/>
+            </a:br>
+            <a:r>
+              <a:rPr lang="pt-BR" dirty="0" smtClean="0"/>
+              <a:t> Redundância </a:t>
+            </a:r>
+            <a:r>
+              <a:rPr lang="pt-BR" dirty="0"/>
+              <a:t>e Confiabilidade</a:t>
+            </a:r>
+          </a:p>
+        </p:txBody>
+      </p:sp>
+      <p:sp>
+        <p:nvSpPr>
+          <p:cNvPr id="3" name="Espaço Reservado para Conteúdo 2"/>
           <p:cNvSpPr>
             <a:spLocks noGrp="1"/>
           </p:cNvSpPr>
@@ -5416,8 +5725,8 @@
         </p:nvSpPr>
         <p:spPr>
           <a:xfrm>
-            <a:off x="1371600" y="1502228"/>
-            <a:ext cx="9601200" cy="5355771"/>
+            <a:off x="1815737" y="1998617"/>
+            <a:ext cx="9601200" cy="4103914"/>
           </a:xfrm>
         </p:spPr>
         <p:txBody>
@@ -5425,165 +5734,98 @@
           <a:lstStyle/>
           <a:p>
             <a:r>
-              <a:rPr lang="en-US" dirty="0" smtClean="0"/>
-              <a:t>Roman</a:t>
-            </a:r>
-            <a:r>
-              <a:rPr lang="en-US" dirty="0"/>
-              <a:t>, L. E.; Computed tomography for technologists: A comprehensive text, 2011</a:t>
-            </a:r>
-            <a:r>
-              <a:rPr lang="en-US" dirty="0" smtClean="0"/>
-              <a:t>;</a:t>
-            </a:r>
-          </a:p>
-          <a:p>
-            <a:r>
-              <a:rPr lang="en-US" dirty="0" smtClean="0"/>
-              <a:t>Oliveira, </a:t>
-            </a:r>
-            <a:r>
-              <a:rPr lang="en-US" dirty="0" err="1" smtClean="0"/>
-              <a:t>Helder</a:t>
-            </a:r>
-            <a:r>
-              <a:rPr lang="en-US" dirty="0"/>
-              <a:t> </a:t>
-            </a:r>
-            <a:r>
               <a:rPr lang="pt-BR" dirty="0" smtClean="0"/>
-              <a:t>Tomografia Computadorizada</a:t>
-            </a:r>
-            <a:r>
-              <a:rPr lang="en-US" dirty="0" smtClean="0"/>
-              <a:t>: </a:t>
+              <a:t>Equipamentos </a:t>
             </a:r>
             <a:r>
               <a:rPr lang="pt-BR" dirty="0"/>
-              <a:t>Fundamentos Físicos dos Processos de Formação de Imagens </a:t>
+              <a:t>médicos exigem uma alta confiabilidade e muitas vezes têm sistemas redundantes para garantir que, se uma parte falhar, o sistema ainda funcione corretamente. </a:t>
             </a:r>
             <a:r>
               <a:rPr lang="pt-BR" dirty="0" smtClean="0"/>
-              <a:t>Médicas, 2014;</a:t>
-            </a:r>
-            <a:endParaRPr lang="en-US" dirty="0"/>
-          </a:p>
-          <a:p>
-            <a:r>
-              <a:rPr lang="en-US" b="1" dirty="0"/>
-              <a:t> </a:t>
-            </a:r>
-            <a:r>
-              <a:rPr lang="en-US" dirty="0"/>
-              <a:t>https://</a:t>
-            </a:r>
-            <a:r>
-              <a:rPr lang="en-US" dirty="0" smtClean="0"/>
-              <a:t>www.st.com/content/st_com/</a:t>
-            </a:r>
-          </a:p>
-          <a:p>
+              <a:t>Micro controladores </a:t>
+            </a:r>
+            <a:r>
+              <a:rPr lang="pt-BR" dirty="0"/>
+              <a:t>simples não oferecem esse tipo de </a:t>
+            </a:r>
             <a:r>
               <a:rPr lang="pt-BR" dirty="0" smtClean="0"/>
-              <a:t>https://www.ti.com/</a:t>
-            </a:r>
-          </a:p>
-          <a:p>
+              <a:t>redundância.</a:t>
+            </a:r>
+          </a:p>
+          <a:p>
+            <a:pPr lvl="1" algn="ctr"/>
+            <a:endParaRPr lang="pt-BR" dirty="0" smtClean="0"/>
+          </a:p>
+          <a:p>
+            <a:pPr marL="530352" lvl="1" indent="0" algn="ctr">
+              <a:buNone/>
+            </a:pPr>
+            <a:endParaRPr lang="pt-BR" dirty="0" smtClean="0"/>
+          </a:p>
+          <a:p>
+            <a:pPr lvl="1" algn="ctr"/>
+            <a:endParaRPr lang="pt-BR" dirty="0" smtClean="0"/>
+          </a:p>
+          <a:p>
+            <a:pPr lvl="1" algn="ctr"/>
+            <a:r>
+              <a:rPr lang="pt-BR" dirty="0" smtClean="0"/>
+              <a:t>É</a:t>
+            </a:r>
             <a:r>
               <a:rPr lang="pt-BR" dirty="0"/>
-              <a:t>Texas </a:t>
-            </a:r>
-            <a:r>
-              <a:rPr lang="pt-BR" dirty="0" err="1"/>
-              <a:t>Instruments</a:t>
-            </a:r>
-            <a:r>
-              <a:rPr lang="pt-BR" dirty="0"/>
-              <a:t> – "MSP430 </a:t>
-            </a:r>
-            <a:r>
-              <a:rPr lang="pt-BR" dirty="0" err="1"/>
-              <a:t>Microcontroller</a:t>
-            </a:r>
-            <a:r>
-              <a:rPr lang="pt-BR" dirty="0"/>
-              <a:t> Data </a:t>
-            </a:r>
-            <a:r>
-              <a:rPr lang="pt-BR" dirty="0" err="1"/>
-              <a:t>Sheet</a:t>
-            </a:r>
-            <a:r>
-              <a:rPr lang="pt-BR" dirty="0"/>
-              <a:t>"</a:t>
-            </a:r>
-          </a:p>
-          <a:p>
-            <a:r>
-              <a:rPr lang="pt-BR" dirty="0" err="1" smtClean="0"/>
-              <a:t>Wikipedia</a:t>
-            </a:r>
-            <a:endParaRPr lang="pt-BR" dirty="0" smtClean="0"/>
-          </a:p>
-          <a:p>
-            <a:r>
-              <a:rPr lang="pt-BR" dirty="0" smtClean="0"/>
-              <a:t>https</a:t>
-            </a:r>
-            <a:r>
-              <a:rPr lang="pt-BR" dirty="0"/>
-              <a:t>://www.mundodaeletrica.com.br/motor-brushless-caracteristicas-aplicacoes</a:t>
-            </a:r>
-            <a:r>
-              <a:rPr lang="pt-BR" dirty="0" smtClean="0"/>
-              <a:t>/</a:t>
-            </a:r>
-          </a:p>
-          <a:p>
-            <a:r>
-              <a:rPr lang="pt-BR" dirty="0"/>
-              <a:t>https://www.microchip.com/</a:t>
-            </a:r>
-            <a:endParaRPr lang="pt-BR" dirty="0" smtClean="0"/>
-          </a:p>
-          <a:p>
-            <a:r>
-              <a:rPr lang="en-US" dirty="0"/>
-              <a:t>ISO 13485:2016 - "Medical devices — Quality management systems — Requirements for regulatory </a:t>
-            </a:r>
-            <a:r>
-              <a:rPr lang="en-US" dirty="0" smtClean="0"/>
-              <a:t>purposes</a:t>
-            </a:r>
-            <a:r>
-              <a:rPr lang="en-US" dirty="0"/>
-              <a:t>"</a:t>
-            </a:r>
-            <a:endParaRPr lang="pt-BR" dirty="0"/>
-          </a:p>
-          <a:p>
-            <a:r>
-              <a:rPr lang="en-US" dirty="0" smtClean="0"/>
-              <a:t>IEC </a:t>
-            </a:r>
-            <a:r>
-              <a:rPr lang="en-US" dirty="0"/>
-              <a:t>60601-1:2012 - "Medical electrical equipment – Part 1: General requirements for basic safety and essential </a:t>
-            </a:r>
-            <a:r>
-              <a:rPr lang="en-US" dirty="0" smtClean="0"/>
-              <a:t>performance“</a:t>
-            </a:r>
-          </a:p>
-          <a:p>
-            <a:endParaRPr lang="pt-BR" dirty="0"/>
-          </a:p>
-        </p:txBody>
-      </p:sp>
+              <a:t>... e custa caro, muito caro.</a:t>
+            </a:r>
+          </a:p>
+        </p:txBody>
+      </p:sp>
+      <p:pic>
+        <p:nvPicPr>
+          <p:cNvPr id="2052" name="Picture 4" descr="https://encrypted-tbn0.gstatic.com/images?q=tbn:ANd9GcQRKU8_l54t5QRQlCRqBoH2U6iLGkMzD2MkIQ&amp;s"/>
+          <p:cNvPicPr>
+            <a:picLocks noChangeAspect="1" noChangeArrowheads="1"/>
+          </p:cNvPicPr>
+          <p:nvPr/>
+        </p:nvPicPr>
+        <p:blipFill>
+          <a:blip r:embed="rId2">
+            <a:extLst>
+              <a:ext uri="{28A0092B-C50C-407E-A947-70E740481C1C}">
+                <a14:useLocalDpi xmlns:a14="http://schemas.microsoft.com/office/drawing/2010/main" val="0"/>
+              </a:ext>
+            </a:extLst>
+          </a:blip>
+          <a:srcRect/>
+          <a:stretch>
+            <a:fillRect/>
+          </a:stretch>
+        </p:blipFill>
+        <p:spPr bwMode="auto">
+          <a:xfrm>
+            <a:off x="2334781" y="3417706"/>
+            <a:ext cx="2684825" cy="2684825"/>
+          </a:xfrm>
+          <a:prstGeom prst="rect">
+            <a:avLst/>
+          </a:prstGeom>
+          <a:noFill/>
+          <a:extLst>
+            <a:ext uri="{909E8E84-426E-40DD-AFC4-6F175D3DCCD1}">
+              <a14:hiddenFill xmlns:a14="http://schemas.microsoft.com/office/drawing/2010/main">
+                <a:solidFill>
+                  <a:srgbClr val="FFFFFF"/>
+                </a:solidFill>
+              </a14:hiddenFill>
+            </a:ext>
+          </a:extLst>
+        </p:spPr>
+      </p:pic>
     </p:spTree>
     <p:extLst>
       <p:ext uri="{BB962C8B-B14F-4D97-AF65-F5344CB8AC3E}">
-        <p14:creationId xmlns:p14="http://schemas.microsoft.com/office/powerpoint/2010/main" val="1737261780"/>
+        <p14:creationId xmlns:p14="http://schemas.microsoft.com/office/powerpoint/2010/main" val="233559132"/>
       </p:ext>
     </p:extLst>
   </p:cSld>
